--- a/ppt 16-9/1443.耶和华是我的.pptx
+++ b/ppt 16-9/1443.耶和华是我的.pptx
@@ -5,7 +5,7 @@
     <p:sldMasterId id="2147483648" r:id="rId1"/>
   </p:sldMasterIdLst>
   <p:sldIdLst>
-    <p:sldId id="1014" r:id="rId2"/>
+    <p:sldId id="1015" r:id="rId2"/>
   </p:sldIdLst>
   <p:sldSz cx="12192000" cy="6858000"/>
   <p:notesSz cx="6858000" cy="9144000"/>
@@ -129,7 +129,7 @@
           <p:cNvPr id="2" name="标题 1">
             <a:extLst>
               <a:ext uri="{FF2B5EF4-FFF2-40B4-BE49-F238E27FC236}">
-                <a16:creationId xmlns:a16="http://schemas.microsoft.com/office/drawing/2014/main" id="{7485757F-09DA-390D-49DA-360EEC6C0BCC}"/>
+                <a16:creationId xmlns:a16="http://schemas.microsoft.com/office/drawing/2014/main" id="{DBF4F6A6-D9CA-EB3E-5388-18B331225C94}"/>
               </a:ext>
             </a:extLst>
           </p:cNvPr>
@@ -166,7 +166,7 @@
           <p:cNvPr id="3" name="副标题 2">
             <a:extLst>
               <a:ext uri="{FF2B5EF4-FFF2-40B4-BE49-F238E27FC236}">
-                <a16:creationId xmlns:a16="http://schemas.microsoft.com/office/drawing/2014/main" id="{7FE6DF64-C597-E84F-A87B-18BF8C7325B4}"/>
+                <a16:creationId xmlns:a16="http://schemas.microsoft.com/office/drawing/2014/main" id="{8B586712-E362-8BDE-5E53-EF954204F6AF}"/>
               </a:ext>
             </a:extLst>
           </p:cNvPr>
@@ -236,7 +236,7 @@
           <p:cNvPr id="4" name="日期占位符 3">
             <a:extLst>
               <a:ext uri="{FF2B5EF4-FFF2-40B4-BE49-F238E27FC236}">
-                <a16:creationId xmlns:a16="http://schemas.microsoft.com/office/drawing/2014/main" id="{CD70E5E8-36AB-DDCE-9723-16F39472A879}"/>
+                <a16:creationId xmlns:a16="http://schemas.microsoft.com/office/drawing/2014/main" id="{E427CF81-D95A-C78B-FA52-04F349DA4EC8}"/>
               </a:ext>
             </a:extLst>
           </p:cNvPr>
@@ -252,7 +252,7 @@
           <a:bodyPr/>
           <a:lstStyle/>
           <a:p>
-            <a:fld id="{67D5BEA9-3F37-4BFA-BA7B-1FC8CAA2C7D5}" type="datetimeFigureOut">
+            <a:fld id="{8A9A0A6E-C6F0-411A-A1C8-6E1C308359E0}" type="datetimeFigureOut">
               <a:rPr lang="zh-CN" altLang="en-US" smtClean="0"/>
               <a:t>2024/3/10</a:t>
             </a:fld>
@@ -265,7 +265,7 @@
           <p:cNvPr id="5" name="页脚占位符 4">
             <a:extLst>
               <a:ext uri="{FF2B5EF4-FFF2-40B4-BE49-F238E27FC236}">
-                <a16:creationId xmlns:a16="http://schemas.microsoft.com/office/drawing/2014/main" id="{D275AAC5-01F0-E5E5-7F1B-1A1743A99DD4}"/>
+                <a16:creationId xmlns:a16="http://schemas.microsoft.com/office/drawing/2014/main" id="{2821C13D-EAB7-D830-70DB-A4D86D679E5A}"/>
               </a:ext>
             </a:extLst>
           </p:cNvPr>
@@ -290,7 +290,7 @@
           <p:cNvPr id="6" name="灯片编号占位符 5">
             <a:extLst>
               <a:ext uri="{FF2B5EF4-FFF2-40B4-BE49-F238E27FC236}">
-                <a16:creationId xmlns:a16="http://schemas.microsoft.com/office/drawing/2014/main" id="{BC4F3B00-C08B-FE89-BDFC-AD0463D23AC8}"/>
+                <a16:creationId xmlns:a16="http://schemas.microsoft.com/office/drawing/2014/main" id="{68DF4C4C-BF3D-80C4-696C-6EF0C2E3F8F4}"/>
               </a:ext>
             </a:extLst>
           </p:cNvPr>
@@ -306,7 +306,7 @@
           <a:bodyPr/>
           <a:lstStyle/>
           <a:p>
-            <a:fld id="{003DEF98-8A5F-478F-B053-2423CFE2C199}" type="slidenum">
+            <a:fld id="{E9DA3423-764A-4D07-8896-D6E22D5A04E1}" type="slidenum">
               <a:rPr lang="zh-CN" altLang="en-US" smtClean="0"/>
               <a:t>‹#›</a:t>
             </a:fld>
@@ -317,7 +317,7 @@
     </p:spTree>
     <p:extLst>
       <p:ext uri="{BB962C8B-B14F-4D97-AF65-F5344CB8AC3E}">
-        <p14:creationId xmlns:p14="http://schemas.microsoft.com/office/powerpoint/2010/main" val="4053388916"/>
+        <p14:creationId xmlns:p14="http://schemas.microsoft.com/office/powerpoint/2010/main" val="359770365"/>
       </p:ext>
     </p:extLst>
   </p:cSld>
@@ -349,7 +349,7 @@
           <p:cNvPr id="2" name="标题 1">
             <a:extLst>
               <a:ext uri="{FF2B5EF4-FFF2-40B4-BE49-F238E27FC236}">
-                <a16:creationId xmlns:a16="http://schemas.microsoft.com/office/drawing/2014/main" id="{E713D864-D259-37F7-AE14-4F7C4E4697FC}"/>
+                <a16:creationId xmlns:a16="http://schemas.microsoft.com/office/drawing/2014/main" id="{DEA34844-37B1-764A-97AD-FF76B6E0B16E}"/>
               </a:ext>
             </a:extLst>
           </p:cNvPr>
@@ -377,7 +377,7 @@
           <p:cNvPr id="3" name="竖排文字占位符 2">
             <a:extLst>
               <a:ext uri="{FF2B5EF4-FFF2-40B4-BE49-F238E27FC236}">
-                <a16:creationId xmlns:a16="http://schemas.microsoft.com/office/drawing/2014/main" id="{D4D18AC2-F0D5-0A2A-6CC0-BAEC1D80434A}"/>
+                <a16:creationId xmlns:a16="http://schemas.microsoft.com/office/drawing/2014/main" id="{A3645013-33AF-E329-B38A-92718322D8B2}"/>
               </a:ext>
             </a:extLst>
           </p:cNvPr>
@@ -434,7 +434,7 @@
           <p:cNvPr id="4" name="日期占位符 3">
             <a:extLst>
               <a:ext uri="{FF2B5EF4-FFF2-40B4-BE49-F238E27FC236}">
-                <a16:creationId xmlns:a16="http://schemas.microsoft.com/office/drawing/2014/main" id="{CECE6628-1ECB-6D4C-436B-6C6545FD6DA8}"/>
+                <a16:creationId xmlns:a16="http://schemas.microsoft.com/office/drawing/2014/main" id="{7CD8F23E-40BB-DE42-91B8-AA71EE546318}"/>
               </a:ext>
             </a:extLst>
           </p:cNvPr>
@@ -450,7 +450,7 @@
           <a:bodyPr/>
           <a:lstStyle/>
           <a:p>
-            <a:fld id="{67D5BEA9-3F37-4BFA-BA7B-1FC8CAA2C7D5}" type="datetimeFigureOut">
+            <a:fld id="{8A9A0A6E-C6F0-411A-A1C8-6E1C308359E0}" type="datetimeFigureOut">
               <a:rPr lang="zh-CN" altLang="en-US" smtClean="0"/>
               <a:t>2024/3/10</a:t>
             </a:fld>
@@ -463,7 +463,7 @@
           <p:cNvPr id="5" name="页脚占位符 4">
             <a:extLst>
               <a:ext uri="{FF2B5EF4-FFF2-40B4-BE49-F238E27FC236}">
-                <a16:creationId xmlns:a16="http://schemas.microsoft.com/office/drawing/2014/main" id="{694D5229-5E9E-8679-0185-D90BECD55E76}"/>
+                <a16:creationId xmlns:a16="http://schemas.microsoft.com/office/drawing/2014/main" id="{1D8AFA13-12BE-DDCF-473C-31BD6CE7B7A4}"/>
               </a:ext>
             </a:extLst>
           </p:cNvPr>
@@ -488,7 +488,7 @@
           <p:cNvPr id="6" name="灯片编号占位符 5">
             <a:extLst>
               <a:ext uri="{FF2B5EF4-FFF2-40B4-BE49-F238E27FC236}">
-                <a16:creationId xmlns:a16="http://schemas.microsoft.com/office/drawing/2014/main" id="{540AB87A-9E09-2285-8736-EB3BB73D5C41}"/>
+                <a16:creationId xmlns:a16="http://schemas.microsoft.com/office/drawing/2014/main" id="{336CC4C1-32DE-026E-9342-BCFE4DEB0323}"/>
               </a:ext>
             </a:extLst>
           </p:cNvPr>
@@ -504,7 +504,7 @@
           <a:bodyPr/>
           <a:lstStyle/>
           <a:p>
-            <a:fld id="{003DEF98-8A5F-478F-B053-2423CFE2C199}" type="slidenum">
+            <a:fld id="{E9DA3423-764A-4D07-8896-D6E22D5A04E1}" type="slidenum">
               <a:rPr lang="zh-CN" altLang="en-US" smtClean="0"/>
               <a:t>‹#›</a:t>
             </a:fld>
@@ -515,7 +515,7 @@
     </p:spTree>
     <p:extLst>
       <p:ext uri="{BB962C8B-B14F-4D97-AF65-F5344CB8AC3E}">
-        <p14:creationId xmlns:p14="http://schemas.microsoft.com/office/powerpoint/2010/main" val="1565248121"/>
+        <p14:creationId xmlns:p14="http://schemas.microsoft.com/office/powerpoint/2010/main" val="1355899293"/>
       </p:ext>
     </p:extLst>
   </p:cSld>
@@ -547,7 +547,7 @@
           <p:cNvPr id="2" name="竖排标题 1">
             <a:extLst>
               <a:ext uri="{FF2B5EF4-FFF2-40B4-BE49-F238E27FC236}">
-                <a16:creationId xmlns:a16="http://schemas.microsoft.com/office/drawing/2014/main" id="{3D89F2FA-80F2-B07A-8D87-7D7CB1213A47}"/>
+                <a16:creationId xmlns:a16="http://schemas.microsoft.com/office/drawing/2014/main" id="{22030269-AB6D-14DF-7D41-B18F594C0A17}"/>
               </a:ext>
             </a:extLst>
           </p:cNvPr>
@@ -580,7 +580,7 @@
           <p:cNvPr id="3" name="竖排文字占位符 2">
             <a:extLst>
               <a:ext uri="{FF2B5EF4-FFF2-40B4-BE49-F238E27FC236}">
-                <a16:creationId xmlns:a16="http://schemas.microsoft.com/office/drawing/2014/main" id="{831B3ACD-CA58-2464-49D6-B74723A1C327}"/>
+                <a16:creationId xmlns:a16="http://schemas.microsoft.com/office/drawing/2014/main" id="{3EFEAE21-5276-0776-9732-A14BED86497F}"/>
               </a:ext>
             </a:extLst>
           </p:cNvPr>
@@ -642,7 +642,7 @@
           <p:cNvPr id="4" name="日期占位符 3">
             <a:extLst>
               <a:ext uri="{FF2B5EF4-FFF2-40B4-BE49-F238E27FC236}">
-                <a16:creationId xmlns:a16="http://schemas.microsoft.com/office/drawing/2014/main" id="{FAED9EAD-2637-58D4-9526-EB3FD1ED21E9}"/>
+                <a16:creationId xmlns:a16="http://schemas.microsoft.com/office/drawing/2014/main" id="{0BF45825-82C4-FA50-00FD-86AF65148185}"/>
               </a:ext>
             </a:extLst>
           </p:cNvPr>
@@ -658,7 +658,7 @@
           <a:bodyPr/>
           <a:lstStyle/>
           <a:p>
-            <a:fld id="{67D5BEA9-3F37-4BFA-BA7B-1FC8CAA2C7D5}" type="datetimeFigureOut">
+            <a:fld id="{8A9A0A6E-C6F0-411A-A1C8-6E1C308359E0}" type="datetimeFigureOut">
               <a:rPr lang="zh-CN" altLang="en-US" smtClean="0"/>
               <a:t>2024/3/10</a:t>
             </a:fld>
@@ -671,7 +671,7 @@
           <p:cNvPr id="5" name="页脚占位符 4">
             <a:extLst>
               <a:ext uri="{FF2B5EF4-FFF2-40B4-BE49-F238E27FC236}">
-                <a16:creationId xmlns:a16="http://schemas.microsoft.com/office/drawing/2014/main" id="{581B8FCD-E5F1-8348-5417-ED8A47189DEB}"/>
+                <a16:creationId xmlns:a16="http://schemas.microsoft.com/office/drawing/2014/main" id="{D4B440C3-A932-77C8-D05F-6DF94F662B14}"/>
               </a:ext>
             </a:extLst>
           </p:cNvPr>
@@ -696,7 +696,7 @@
           <p:cNvPr id="6" name="灯片编号占位符 5">
             <a:extLst>
               <a:ext uri="{FF2B5EF4-FFF2-40B4-BE49-F238E27FC236}">
-                <a16:creationId xmlns:a16="http://schemas.microsoft.com/office/drawing/2014/main" id="{BBC6FD98-9795-3C7C-E1CC-DF819A9E5BBD}"/>
+                <a16:creationId xmlns:a16="http://schemas.microsoft.com/office/drawing/2014/main" id="{F40B5B0B-148A-F3D5-428B-4CD834857084}"/>
               </a:ext>
             </a:extLst>
           </p:cNvPr>
@@ -712,7 +712,7 @@
           <a:bodyPr/>
           <a:lstStyle/>
           <a:p>
-            <a:fld id="{003DEF98-8A5F-478F-B053-2423CFE2C199}" type="slidenum">
+            <a:fld id="{E9DA3423-764A-4D07-8896-D6E22D5A04E1}" type="slidenum">
               <a:rPr lang="zh-CN" altLang="en-US" smtClean="0"/>
               <a:t>‹#›</a:t>
             </a:fld>
@@ -723,7 +723,7 @@
     </p:spTree>
     <p:extLst>
       <p:ext uri="{BB962C8B-B14F-4D97-AF65-F5344CB8AC3E}">
-        <p14:creationId xmlns:p14="http://schemas.microsoft.com/office/powerpoint/2010/main" val="3974753772"/>
+        <p14:creationId xmlns:p14="http://schemas.microsoft.com/office/powerpoint/2010/main" val="2722982775"/>
       </p:ext>
     </p:extLst>
   </p:cSld>
@@ -755,7 +755,7 @@
           <p:cNvPr id="2" name="标题 1">
             <a:extLst>
               <a:ext uri="{FF2B5EF4-FFF2-40B4-BE49-F238E27FC236}">
-                <a16:creationId xmlns:a16="http://schemas.microsoft.com/office/drawing/2014/main" id="{706BE070-9316-29FB-A114-88CA537849DF}"/>
+                <a16:creationId xmlns:a16="http://schemas.microsoft.com/office/drawing/2014/main" id="{2F43A337-65FA-B595-460E-B2620A36C2FE}"/>
               </a:ext>
             </a:extLst>
           </p:cNvPr>
@@ -783,7 +783,7 @@
           <p:cNvPr id="3" name="内容占位符 2">
             <a:extLst>
               <a:ext uri="{FF2B5EF4-FFF2-40B4-BE49-F238E27FC236}">
-                <a16:creationId xmlns:a16="http://schemas.microsoft.com/office/drawing/2014/main" id="{60BCC631-D795-5625-3452-E80B72F8B0DB}"/>
+                <a16:creationId xmlns:a16="http://schemas.microsoft.com/office/drawing/2014/main" id="{D403B268-04A9-0C4C-E759-9394996A5896}"/>
               </a:ext>
             </a:extLst>
           </p:cNvPr>
@@ -840,7 +840,7 @@
           <p:cNvPr id="4" name="日期占位符 3">
             <a:extLst>
               <a:ext uri="{FF2B5EF4-FFF2-40B4-BE49-F238E27FC236}">
-                <a16:creationId xmlns:a16="http://schemas.microsoft.com/office/drawing/2014/main" id="{6B30C858-F42F-B598-76A4-0EBCE0784C2D}"/>
+                <a16:creationId xmlns:a16="http://schemas.microsoft.com/office/drawing/2014/main" id="{13AB33E0-B923-6895-F209-01FE91A2B84E}"/>
               </a:ext>
             </a:extLst>
           </p:cNvPr>
@@ -856,7 +856,7 @@
           <a:bodyPr/>
           <a:lstStyle/>
           <a:p>
-            <a:fld id="{67D5BEA9-3F37-4BFA-BA7B-1FC8CAA2C7D5}" type="datetimeFigureOut">
+            <a:fld id="{8A9A0A6E-C6F0-411A-A1C8-6E1C308359E0}" type="datetimeFigureOut">
               <a:rPr lang="zh-CN" altLang="en-US" smtClean="0"/>
               <a:t>2024/3/10</a:t>
             </a:fld>
@@ -869,7 +869,7 @@
           <p:cNvPr id="5" name="页脚占位符 4">
             <a:extLst>
               <a:ext uri="{FF2B5EF4-FFF2-40B4-BE49-F238E27FC236}">
-                <a16:creationId xmlns:a16="http://schemas.microsoft.com/office/drawing/2014/main" id="{C66134D9-1739-F655-6F35-2F610EECCC01}"/>
+                <a16:creationId xmlns:a16="http://schemas.microsoft.com/office/drawing/2014/main" id="{C0FC21E1-E700-AEFD-AD74-53E06E508120}"/>
               </a:ext>
             </a:extLst>
           </p:cNvPr>
@@ -894,7 +894,7 @@
           <p:cNvPr id="6" name="灯片编号占位符 5">
             <a:extLst>
               <a:ext uri="{FF2B5EF4-FFF2-40B4-BE49-F238E27FC236}">
-                <a16:creationId xmlns:a16="http://schemas.microsoft.com/office/drawing/2014/main" id="{5BA998B4-ABE4-B649-E6E1-3416EA1D7DE0}"/>
+                <a16:creationId xmlns:a16="http://schemas.microsoft.com/office/drawing/2014/main" id="{AA96CC59-968C-3AD4-4C8E-CF787DD57479}"/>
               </a:ext>
             </a:extLst>
           </p:cNvPr>
@@ -910,7 +910,7 @@
           <a:bodyPr/>
           <a:lstStyle/>
           <a:p>
-            <a:fld id="{003DEF98-8A5F-478F-B053-2423CFE2C199}" type="slidenum">
+            <a:fld id="{E9DA3423-764A-4D07-8896-D6E22D5A04E1}" type="slidenum">
               <a:rPr lang="zh-CN" altLang="en-US" smtClean="0"/>
               <a:t>‹#›</a:t>
             </a:fld>
@@ -921,7 +921,7 @@
     </p:spTree>
     <p:extLst>
       <p:ext uri="{BB962C8B-B14F-4D97-AF65-F5344CB8AC3E}">
-        <p14:creationId xmlns:p14="http://schemas.microsoft.com/office/powerpoint/2010/main" val="448288513"/>
+        <p14:creationId xmlns:p14="http://schemas.microsoft.com/office/powerpoint/2010/main" val="1507015919"/>
       </p:ext>
     </p:extLst>
   </p:cSld>
@@ -953,7 +953,7 @@
           <p:cNvPr id="2" name="标题 1">
             <a:extLst>
               <a:ext uri="{FF2B5EF4-FFF2-40B4-BE49-F238E27FC236}">
-                <a16:creationId xmlns:a16="http://schemas.microsoft.com/office/drawing/2014/main" id="{DFAFD416-52CF-A75F-B209-6B6532E7B756}"/>
+                <a16:creationId xmlns:a16="http://schemas.microsoft.com/office/drawing/2014/main" id="{8B089DAA-91A4-53D8-1881-CB66EB635D6A}"/>
               </a:ext>
             </a:extLst>
           </p:cNvPr>
@@ -990,7 +990,7 @@
           <p:cNvPr id="3" name="文本占位符 2">
             <a:extLst>
               <a:ext uri="{FF2B5EF4-FFF2-40B4-BE49-F238E27FC236}">
-                <a16:creationId xmlns:a16="http://schemas.microsoft.com/office/drawing/2014/main" id="{9091783D-19D0-57C8-68DF-3488BC0DC832}"/>
+                <a16:creationId xmlns:a16="http://schemas.microsoft.com/office/drawing/2014/main" id="{EE692804-F404-B51F-A3C5-EDE70053F809}"/>
               </a:ext>
             </a:extLst>
           </p:cNvPr>
@@ -1115,7 +1115,7 @@
           <p:cNvPr id="4" name="日期占位符 3">
             <a:extLst>
               <a:ext uri="{FF2B5EF4-FFF2-40B4-BE49-F238E27FC236}">
-                <a16:creationId xmlns:a16="http://schemas.microsoft.com/office/drawing/2014/main" id="{4A2D62CD-BF05-CFA8-5DC1-BBA53102FDF4}"/>
+                <a16:creationId xmlns:a16="http://schemas.microsoft.com/office/drawing/2014/main" id="{9F7CD30A-80FE-0D34-0BAF-3463CD228FA4}"/>
               </a:ext>
             </a:extLst>
           </p:cNvPr>
@@ -1131,7 +1131,7 @@
           <a:bodyPr/>
           <a:lstStyle/>
           <a:p>
-            <a:fld id="{67D5BEA9-3F37-4BFA-BA7B-1FC8CAA2C7D5}" type="datetimeFigureOut">
+            <a:fld id="{8A9A0A6E-C6F0-411A-A1C8-6E1C308359E0}" type="datetimeFigureOut">
               <a:rPr lang="zh-CN" altLang="en-US" smtClean="0"/>
               <a:t>2024/3/10</a:t>
             </a:fld>
@@ -1144,7 +1144,7 @@
           <p:cNvPr id="5" name="页脚占位符 4">
             <a:extLst>
               <a:ext uri="{FF2B5EF4-FFF2-40B4-BE49-F238E27FC236}">
-                <a16:creationId xmlns:a16="http://schemas.microsoft.com/office/drawing/2014/main" id="{249B26FE-0EB8-7E98-9F31-79906DE5AE5B}"/>
+                <a16:creationId xmlns:a16="http://schemas.microsoft.com/office/drawing/2014/main" id="{5D9CCC23-7EEB-40DC-4631-7CDAFD9A475B}"/>
               </a:ext>
             </a:extLst>
           </p:cNvPr>
@@ -1169,7 +1169,7 @@
           <p:cNvPr id="6" name="灯片编号占位符 5">
             <a:extLst>
               <a:ext uri="{FF2B5EF4-FFF2-40B4-BE49-F238E27FC236}">
-                <a16:creationId xmlns:a16="http://schemas.microsoft.com/office/drawing/2014/main" id="{F1AC190A-D41C-E325-8CFB-2715CC36A3F7}"/>
+                <a16:creationId xmlns:a16="http://schemas.microsoft.com/office/drawing/2014/main" id="{02A95DAB-9F11-0276-9F78-4483B7C91906}"/>
               </a:ext>
             </a:extLst>
           </p:cNvPr>
@@ -1185,7 +1185,7 @@
           <a:bodyPr/>
           <a:lstStyle/>
           <a:p>
-            <a:fld id="{003DEF98-8A5F-478F-B053-2423CFE2C199}" type="slidenum">
+            <a:fld id="{E9DA3423-764A-4D07-8896-D6E22D5A04E1}" type="slidenum">
               <a:rPr lang="zh-CN" altLang="en-US" smtClean="0"/>
               <a:t>‹#›</a:t>
             </a:fld>
@@ -1196,7 +1196,7 @@
     </p:spTree>
     <p:extLst>
       <p:ext uri="{BB962C8B-B14F-4D97-AF65-F5344CB8AC3E}">
-        <p14:creationId xmlns:p14="http://schemas.microsoft.com/office/powerpoint/2010/main" val="1620771820"/>
+        <p14:creationId xmlns:p14="http://schemas.microsoft.com/office/powerpoint/2010/main" val="1726453267"/>
       </p:ext>
     </p:extLst>
   </p:cSld>
@@ -1228,7 +1228,7 @@
           <p:cNvPr id="2" name="标题 1">
             <a:extLst>
               <a:ext uri="{FF2B5EF4-FFF2-40B4-BE49-F238E27FC236}">
-                <a16:creationId xmlns:a16="http://schemas.microsoft.com/office/drawing/2014/main" id="{AF332510-F080-CD2D-8B37-507F91095BB6}"/>
+                <a16:creationId xmlns:a16="http://schemas.microsoft.com/office/drawing/2014/main" id="{0E11F539-F0EB-810A-9EFC-305A899361B7}"/>
               </a:ext>
             </a:extLst>
           </p:cNvPr>
@@ -1256,7 +1256,7 @@
           <p:cNvPr id="3" name="内容占位符 2">
             <a:extLst>
               <a:ext uri="{FF2B5EF4-FFF2-40B4-BE49-F238E27FC236}">
-                <a16:creationId xmlns:a16="http://schemas.microsoft.com/office/drawing/2014/main" id="{7DD8E42E-83B5-FCE9-A339-DC95F0833A44}"/>
+                <a16:creationId xmlns:a16="http://schemas.microsoft.com/office/drawing/2014/main" id="{A5B79189-34E0-8D88-59EE-625FCFA6D436}"/>
               </a:ext>
             </a:extLst>
           </p:cNvPr>
@@ -1318,7 +1318,7 @@
           <p:cNvPr id="4" name="内容占位符 3">
             <a:extLst>
               <a:ext uri="{FF2B5EF4-FFF2-40B4-BE49-F238E27FC236}">
-                <a16:creationId xmlns:a16="http://schemas.microsoft.com/office/drawing/2014/main" id="{A97C7EF9-E274-5AF2-4EFA-5B20C5B14178}"/>
+                <a16:creationId xmlns:a16="http://schemas.microsoft.com/office/drawing/2014/main" id="{A8AA9F27-CF24-F1DD-4A56-9F000E08BDAC}"/>
               </a:ext>
             </a:extLst>
           </p:cNvPr>
@@ -1380,7 +1380,7 @@
           <p:cNvPr id="5" name="日期占位符 4">
             <a:extLst>
               <a:ext uri="{FF2B5EF4-FFF2-40B4-BE49-F238E27FC236}">
-                <a16:creationId xmlns:a16="http://schemas.microsoft.com/office/drawing/2014/main" id="{10C84AC5-E562-743B-5C12-FBC1BFB049FF}"/>
+                <a16:creationId xmlns:a16="http://schemas.microsoft.com/office/drawing/2014/main" id="{9730F9AB-28FD-3B19-45DF-17F3ABD15266}"/>
               </a:ext>
             </a:extLst>
           </p:cNvPr>
@@ -1396,7 +1396,7 @@
           <a:bodyPr/>
           <a:lstStyle/>
           <a:p>
-            <a:fld id="{67D5BEA9-3F37-4BFA-BA7B-1FC8CAA2C7D5}" type="datetimeFigureOut">
+            <a:fld id="{8A9A0A6E-C6F0-411A-A1C8-6E1C308359E0}" type="datetimeFigureOut">
               <a:rPr lang="zh-CN" altLang="en-US" smtClean="0"/>
               <a:t>2024/3/10</a:t>
             </a:fld>
@@ -1409,7 +1409,7 @@
           <p:cNvPr id="6" name="页脚占位符 5">
             <a:extLst>
               <a:ext uri="{FF2B5EF4-FFF2-40B4-BE49-F238E27FC236}">
-                <a16:creationId xmlns:a16="http://schemas.microsoft.com/office/drawing/2014/main" id="{5DDF214F-654B-E9F3-07D6-B5327FE74FDD}"/>
+                <a16:creationId xmlns:a16="http://schemas.microsoft.com/office/drawing/2014/main" id="{E03723EB-32ED-3766-4F23-8C2CEDD9813C}"/>
               </a:ext>
             </a:extLst>
           </p:cNvPr>
@@ -1434,7 +1434,7 @@
           <p:cNvPr id="7" name="灯片编号占位符 6">
             <a:extLst>
               <a:ext uri="{FF2B5EF4-FFF2-40B4-BE49-F238E27FC236}">
-                <a16:creationId xmlns:a16="http://schemas.microsoft.com/office/drawing/2014/main" id="{292F0875-A98D-022C-E4DD-9AA6884C9BF7}"/>
+                <a16:creationId xmlns:a16="http://schemas.microsoft.com/office/drawing/2014/main" id="{C6899880-AB04-8D8B-9B1E-51060CEA25A0}"/>
               </a:ext>
             </a:extLst>
           </p:cNvPr>
@@ -1450,7 +1450,7 @@
           <a:bodyPr/>
           <a:lstStyle/>
           <a:p>
-            <a:fld id="{003DEF98-8A5F-478F-B053-2423CFE2C199}" type="slidenum">
+            <a:fld id="{E9DA3423-764A-4D07-8896-D6E22D5A04E1}" type="slidenum">
               <a:rPr lang="zh-CN" altLang="en-US" smtClean="0"/>
               <a:t>‹#›</a:t>
             </a:fld>
@@ -1461,7 +1461,7 @@
     </p:spTree>
     <p:extLst>
       <p:ext uri="{BB962C8B-B14F-4D97-AF65-F5344CB8AC3E}">
-        <p14:creationId xmlns:p14="http://schemas.microsoft.com/office/powerpoint/2010/main" val="3204527000"/>
+        <p14:creationId xmlns:p14="http://schemas.microsoft.com/office/powerpoint/2010/main" val="1933771805"/>
       </p:ext>
     </p:extLst>
   </p:cSld>
@@ -1493,7 +1493,7 @@
           <p:cNvPr id="2" name="标题 1">
             <a:extLst>
               <a:ext uri="{FF2B5EF4-FFF2-40B4-BE49-F238E27FC236}">
-                <a16:creationId xmlns:a16="http://schemas.microsoft.com/office/drawing/2014/main" id="{38CE957E-A462-D4B7-4E59-EDD8CD46FD22}"/>
+                <a16:creationId xmlns:a16="http://schemas.microsoft.com/office/drawing/2014/main" id="{879B1256-0063-E77D-CEE7-7CF14A09D1F6}"/>
               </a:ext>
             </a:extLst>
           </p:cNvPr>
@@ -1526,7 +1526,7 @@
           <p:cNvPr id="3" name="文本占位符 2">
             <a:extLst>
               <a:ext uri="{FF2B5EF4-FFF2-40B4-BE49-F238E27FC236}">
-                <a16:creationId xmlns:a16="http://schemas.microsoft.com/office/drawing/2014/main" id="{79C5511E-99DB-0E0D-A7BC-6074BF313815}"/>
+                <a16:creationId xmlns:a16="http://schemas.microsoft.com/office/drawing/2014/main" id="{3BF79075-427D-982B-B65A-220BD32CCF7C}"/>
               </a:ext>
             </a:extLst>
           </p:cNvPr>
@@ -1597,7 +1597,7 @@
           <p:cNvPr id="4" name="内容占位符 3">
             <a:extLst>
               <a:ext uri="{FF2B5EF4-FFF2-40B4-BE49-F238E27FC236}">
-                <a16:creationId xmlns:a16="http://schemas.microsoft.com/office/drawing/2014/main" id="{7B584E5E-D399-DE9F-EBB8-E862A1741252}"/>
+                <a16:creationId xmlns:a16="http://schemas.microsoft.com/office/drawing/2014/main" id="{A3A641B3-4866-18C2-008C-05396478373F}"/>
               </a:ext>
             </a:extLst>
           </p:cNvPr>
@@ -1659,7 +1659,7 @@
           <p:cNvPr id="5" name="文本占位符 4">
             <a:extLst>
               <a:ext uri="{FF2B5EF4-FFF2-40B4-BE49-F238E27FC236}">
-                <a16:creationId xmlns:a16="http://schemas.microsoft.com/office/drawing/2014/main" id="{0E76AF3B-4FDA-0FD9-8E57-226B38B18C84}"/>
+                <a16:creationId xmlns:a16="http://schemas.microsoft.com/office/drawing/2014/main" id="{D2CCB0CF-F0E6-11A4-0C2E-7140814499D7}"/>
               </a:ext>
             </a:extLst>
           </p:cNvPr>
@@ -1730,7 +1730,7 @@
           <p:cNvPr id="6" name="内容占位符 5">
             <a:extLst>
               <a:ext uri="{FF2B5EF4-FFF2-40B4-BE49-F238E27FC236}">
-                <a16:creationId xmlns:a16="http://schemas.microsoft.com/office/drawing/2014/main" id="{132512F1-202D-7F34-4612-533A3B72C056}"/>
+                <a16:creationId xmlns:a16="http://schemas.microsoft.com/office/drawing/2014/main" id="{AC5AB14A-F957-8C70-8288-ABB42DEBFD15}"/>
               </a:ext>
             </a:extLst>
           </p:cNvPr>
@@ -1792,7 +1792,7 @@
           <p:cNvPr id="7" name="日期占位符 6">
             <a:extLst>
               <a:ext uri="{FF2B5EF4-FFF2-40B4-BE49-F238E27FC236}">
-                <a16:creationId xmlns:a16="http://schemas.microsoft.com/office/drawing/2014/main" id="{ADB355F2-7E16-CD8F-D853-328752D5A555}"/>
+                <a16:creationId xmlns:a16="http://schemas.microsoft.com/office/drawing/2014/main" id="{56BBE439-47E6-88D0-AC43-4DC30723AF12}"/>
               </a:ext>
             </a:extLst>
           </p:cNvPr>
@@ -1808,7 +1808,7 @@
           <a:bodyPr/>
           <a:lstStyle/>
           <a:p>
-            <a:fld id="{67D5BEA9-3F37-4BFA-BA7B-1FC8CAA2C7D5}" type="datetimeFigureOut">
+            <a:fld id="{8A9A0A6E-C6F0-411A-A1C8-6E1C308359E0}" type="datetimeFigureOut">
               <a:rPr lang="zh-CN" altLang="en-US" smtClean="0"/>
               <a:t>2024/3/10</a:t>
             </a:fld>
@@ -1821,7 +1821,7 @@
           <p:cNvPr id="8" name="页脚占位符 7">
             <a:extLst>
               <a:ext uri="{FF2B5EF4-FFF2-40B4-BE49-F238E27FC236}">
-                <a16:creationId xmlns:a16="http://schemas.microsoft.com/office/drawing/2014/main" id="{252C2C45-339A-24B9-E843-6AB6AD13F840}"/>
+                <a16:creationId xmlns:a16="http://schemas.microsoft.com/office/drawing/2014/main" id="{7C4820A0-3652-3AE1-9D72-90F72CCF9518}"/>
               </a:ext>
             </a:extLst>
           </p:cNvPr>
@@ -1846,7 +1846,7 @@
           <p:cNvPr id="9" name="灯片编号占位符 8">
             <a:extLst>
               <a:ext uri="{FF2B5EF4-FFF2-40B4-BE49-F238E27FC236}">
-                <a16:creationId xmlns:a16="http://schemas.microsoft.com/office/drawing/2014/main" id="{26036394-CEF9-B4EA-4A42-EB21D5E43447}"/>
+                <a16:creationId xmlns:a16="http://schemas.microsoft.com/office/drawing/2014/main" id="{60611E4B-3F2B-9DFC-1E99-7DBAEB222E33}"/>
               </a:ext>
             </a:extLst>
           </p:cNvPr>
@@ -1862,7 +1862,7 @@
           <a:bodyPr/>
           <a:lstStyle/>
           <a:p>
-            <a:fld id="{003DEF98-8A5F-478F-B053-2423CFE2C199}" type="slidenum">
+            <a:fld id="{E9DA3423-764A-4D07-8896-D6E22D5A04E1}" type="slidenum">
               <a:rPr lang="zh-CN" altLang="en-US" smtClean="0"/>
               <a:t>‹#›</a:t>
             </a:fld>
@@ -1873,7 +1873,7 @@
     </p:spTree>
     <p:extLst>
       <p:ext uri="{BB962C8B-B14F-4D97-AF65-F5344CB8AC3E}">
-        <p14:creationId xmlns:p14="http://schemas.microsoft.com/office/powerpoint/2010/main" val="2337196783"/>
+        <p14:creationId xmlns:p14="http://schemas.microsoft.com/office/powerpoint/2010/main" val="2252530795"/>
       </p:ext>
     </p:extLst>
   </p:cSld>
@@ -1905,7 +1905,7 @@
           <p:cNvPr id="2" name="标题 1">
             <a:extLst>
               <a:ext uri="{FF2B5EF4-FFF2-40B4-BE49-F238E27FC236}">
-                <a16:creationId xmlns:a16="http://schemas.microsoft.com/office/drawing/2014/main" id="{3E4C9A6C-160F-7CC1-5213-7A366F5E2B43}"/>
+                <a16:creationId xmlns:a16="http://schemas.microsoft.com/office/drawing/2014/main" id="{F8D288FA-6EF2-4CE8-B80C-09520E570A22}"/>
               </a:ext>
             </a:extLst>
           </p:cNvPr>
@@ -1933,7 +1933,7 @@
           <p:cNvPr id="3" name="日期占位符 2">
             <a:extLst>
               <a:ext uri="{FF2B5EF4-FFF2-40B4-BE49-F238E27FC236}">
-                <a16:creationId xmlns:a16="http://schemas.microsoft.com/office/drawing/2014/main" id="{EB68C53F-6502-EDB4-73F2-36B3F9BE21F8}"/>
+                <a16:creationId xmlns:a16="http://schemas.microsoft.com/office/drawing/2014/main" id="{B09CA4F0-77B4-497D-B8C1-E7CBB9287E53}"/>
               </a:ext>
             </a:extLst>
           </p:cNvPr>
@@ -1949,7 +1949,7 @@
           <a:bodyPr/>
           <a:lstStyle/>
           <a:p>
-            <a:fld id="{67D5BEA9-3F37-4BFA-BA7B-1FC8CAA2C7D5}" type="datetimeFigureOut">
+            <a:fld id="{8A9A0A6E-C6F0-411A-A1C8-6E1C308359E0}" type="datetimeFigureOut">
               <a:rPr lang="zh-CN" altLang="en-US" smtClean="0"/>
               <a:t>2024/3/10</a:t>
             </a:fld>
@@ -1962,7 +1962,7 @@
           <p:cNvPr id="4" name="页脚占位符 3">
             <a:extLst>
               <a:ext uri="{FF2B5EF4-FFF2-40B4-BE49-F238E27FC236}">
-                <a16:creationId xmlns:a16="http://schemas.microsoft.com/office/drawing/2014/main" id="{E14F9AF2-E9AF-1DBC-BDED-016057A58F29}"/>
+                <a16:creationId xmlns:a16="http://schemas.microsoft.com/office/drawing/2014/main" id="{250E056B-E61E-9B0D-B7F2-17E51E50CC1D}"/>
               </a:ext>
             </a:extLst>
           </p:cNvPr>
@@ -1987,7 +1987,7 @@
           <p:cNvPr id="5" name="灯片编号占位符 4">
             <a:extLst>
               <a:ext uri="{FF2B5EF4-FFF2-40B4-BE49-F238E27FC236}">
-                <a16:creationId xmlns:a16="http://schemas.microsoft.com/office/drawing/2014/main" id="{EEFF7AEC-BE1D-5824-F805-3D348400F29F}"/>
+                <a16:creationId xmlns:a16="http://schemas.microsoft.com/office/drawing/2014/main" id="{B9EA755D-43A2-9465-8685-741C0EAEBC44}"/>
               </a:ext>
             </a:extLst>
           </p:cNvPr>
@@ -2003,7 +2003,7 @@
           <a:bodyPr/>
           <a:lstStyle/>
           <a:p>
-            <a:fld id="{003DEF98-8A5F-478F-B053-2423CFE2C199}" type="slidenum">
+            <a:fld id="{E9DA3423-764A-4D07-8896-D6E22D5A04E1}" type="slidenum">
               <a:rPr lang="zh-CN" altLang="en-US" smtClean="0"/>
               <a:t>‹#›</a:t>
             </a:fld>
@@ -2014,7 +2014,7 @@
     </p:spTree>
     <p:extLst>
       <p:ext uri="{BB962C8B-B14F-4D97-AF65-F5344CB8AC3E}">
-        <p14:creationId xmlns:p14="http://schemas.microsoft.com/office/powerpoint/2010/main" val="3524909380"/>
+        <p14:creationId xmlns:p14="http://schemas.microsoft.com/office/powerpoint/2010/main" val="2656584931"/>
       </p:ext>
     </p:extLst>
   </p:cSld>
@@ -2046,7 +2046,7 @@
           <p:cNvPr id="2" name="日期占位符 1">
             <a:extLst>
               <a:ext uri="{FF2B5EF4-FFF2-40B4-BE49-F238E27FC236}">
-                <a16:creationId xmlns:a16="http://schemas.microsoft.com/office/drawing/2014/main" id="{C426EEC9-9CF6-C9F6-B10B-4BEE477D35B7}"/>
+                <a16:creationId xmlns:a16="http://schemas.microsoft.com/office/drawing/2014/main" id="{87184D44-C099-A944-4CE4-889E69CB82EF}"/>
               </a:ext>
             </a:extLst>
           </p:cNvPr>
@@ -2062,7 +2062,7 @@
           <a:bodyPr/>
           <a:lstStyle/>
           <a:p>
-            <a:fld id="{67D5BEA9-3F37-4BFA-BA7B-1FC8CAA2C7D5}" type="datetimeFigureOut">
+            <a:fld id="{8A9A0A6E-C6F0-411A-A1C8-6E1C308359E0}" type="datetimeFigureOut">
               <a:rPr lang="zh-CN" altLang="en-US" smtClean="0"/>
               <a:t>2024/3/10</a:t>
             </a:fld>
@@ -2075,7 +2075,7 @@
           <p:cNvPr id="3" name="页脚占位符 2">
             <a:extLst>
               <a:ext uri="{FF2B5EF4-FFF2-40B4-BE49-F238E27FC236}">
-                <a16:creationId xmlns:a16="http://schemas.microsoft.com/office/drawing/2014/main" id="{28A16DCF-EE1D-253B-D624-B32BD8CD2AC1}"/>
+                <a16:creationId xmlns:a16="http://schemas.microsoft.com/office/drawing/2014/main" id="{B477725F-D13F-6F19-A2FF-648694D698B9}"/>
               </a:ext>
             </a:extLst>
           </p:cNvPr>
@@ -2100,7 +2100,7 @@
           <p:cNvPr id="4" name="灯片编号占位符 3">
             <a:extLst>
               <a:ext uri="{FF2B5EF4-FFF2-40B4-BE49-F238E27FC236}">
-                <a16:creationId xmlns:a16="http://schemas.microsoft.com/office/drawing/2014/main" id="{63E12284-5E37-EC6F-2FFD-E2F263B176E2}"/>
+                <a16:creationId xmlns:a16="http://schemas.microsoft.com/office/drawing/2014/main" id="{D6EF37CB-9421-F577-8A7E-93C31D0BAB8D}"/>
               </a:ext>
             </a:extLst>
           </p:cNvPr>
@@ -2116,7 +2116,7 @@
           <a:bodyPr/>
           <a:lstStyle/>
           <a:p>
-            <a:fld id="{003DEF98-8A5F-478F-B053-2423CFE2C199}" type="slidenum">
+            <a:fld id="{E9DA3423-764A-4D07-8896-D6E22D5A04E1}" type="slidenum">
               <a:rPr lang="zh-CN" altLang="en-US" smtClean="0"/>
               <a:t>‹#›</a:t>
             </a:fld>
@@ -2127,7 +2127,7 @@
     </p:spTree>
     <p:extLst>
       <p:ext uri="{BB962C8B-B14F-4D97-AF65-F5344CB8AC3E}">
-        <p14:creationId xmlns:p14="http://schemas.microsoft.com/office/powerpoint/2010/main" val="3330721548"/>
+        <p14:creationId xmlns:p14="http://schemas.microsoft.com/office/powerpoint/2010/main" val="899109852"/>
       </p:ext>
     </p:extLst>
   </p:cSld>
@@ -2159,7 +2159,7 @@
           <p:cNvPr id="2" name="标题 1">
             <a:extLst>
               <a:ext uri="{FF2B5EF4-FFF2-40B4-BE49-F238E27FC236}">
-                <a16:creationId xmlns:a16="http://schemas.microsoft.com/office/drawing/2014/main" id="{F2DC89BF-1E51-88D7-48AC-D51BC21E71FE}"/>
+                <a16:creationId xmlns:a16="http://schemas.microsoft.com/office/drawing/2014/main" id="{786759C6-45F5-B884-6E9D-CDEABD756FB0}"/>
               </a:ext>
             </a:extLst>
           </p:cNvPr>
@@ -2196,7 +2196,7 @@
           <p:cNvPr id="3" name="内容占位符 2">
             <a:extLst>
               <a:ext uri="{FF2B5EF4-FFF2-40B4-BE49-F238E27FC236}">
-                <a16:creationId xmlns:a16="http://schemas.microsoft.com/office/drawing/2014/main" id="{BD7C1690-334D-2757-E230-480B79F49BAD}"/>
+                <a16:creationId xmlns:a16="http://schemas.microsoft.com/office/drawing/2014/main" id="{67FCA184-7C5D-EE0C-E127-5293C7AF168E}"/>
               </a:ext>
             </a:extLst>
           </p:cNvPr>
@@ -2286,7 +2286,7 @@
           <p:cNvPr id="4" name="文本占位符 3">
             <a:extLst>
               <a:ext uri="{FF2B5EF4-FFF2-40B4-BE49-F238E27FC236}">
-                <a16:creationId xmlns:a16="http://schemas.microsoft.com/office/drawing/2014/main" id="{1F2A5F0C-1822-CBAA-9050-0182B9CC4531}"/>
+                <a16:creationId xmlns:a16="http://schemas.microsoft.com/office/drawing/2014/main" id="{98EEA4C6-2A57-5268-0F76-5A7745E44E39}"/>
               </a:ext>
             </a:extLst>
           </p:cNvPr>
@@ -2357,7 +2357,7 @@
           <p:cNvPr id="5" name="日期占位符 4">
             <a:extLst>
               <a:ext uri="{FF2B5EF4-FFF2-40B4-BE49-F238E27FC236}">
-                <a16:creationId xmlns:a16="http://schemas.microsoft.com/office/drawing/2014/main" id="{04B59890-508C-0AD5-5B4F-C944D10729F5}"/>
+                <a16:creationId xmlns:a16="http://schemas.microsoft.com/office/drawing/2014/main" id="{FEDAF23D-E91B-8503-03B9-C44F4DF7E9E6}"/>
               </a:ext>
             </a:extLst>
           </p:cNvPr>
@@ -2373,7 +2373,7 @@
           <a:bodyPr/>
           <a:lstStyle/>
           <a:p>
-            <a:fld id="{67D5BEA9-3F37-4BFA-BA7B-1FC8CAA2C7D5}" type="datetimeFigureOut">
+            <a:fld id="{8A9A0A6E-C6F0-411A-A1C8-6E1C308359E0}" type="datetimeFigureOut">
               <a:rPr lang="zh-CN" altLang="en-US" smtClean="0"/>
               <a:t>2024/3/10</a:t>
             </a:fld>
@@ -2386,7 +2386,7 @@
           <p:cNvPr id="6" name="页脚占位符 5">
             <a:extLst>
               <a:ext uri="{FF2B5EF4-FFF2-40B4-BE49-F238E27FC236}">
-                <a16:creationId xmlns:a16="http://schemas.microsoft.com/office/drawing/2014/main" id="{3767036B-0B66-5FBD-2AE9-3046141FF9C3}"/>
+                <a16:creationId xmlns:a16="http://schemas.microsoft.com/office/drawing/2014/main" id="{15816839-C794-5318-09F7-2C1ED1FBCBB3}"/>
               </a:ext>
             </a:extLst>
           </p:cNvPr>
@@ -2411,7 +2411,7 @@
           <p:cNvPr id="7" name="灯片编号占位符 6">
             <a:extLst>
               <a:ext uri="{FF2B5EF4-FFF2-40B4-BE49-F238E27FC236}">
-                <a16:creationId xmlns:a16="http://schemas.microsoft.com/office/drawing/2014/main" id="{A83764FA-11FD-5B52-4B27-97A7DC04C6BC}"/>
+                <a16:creationId xmlns:a16="http://schemas.microsoft.com/office/drawing/2014/main" id="{282133DF-434C-0563-789F-1A2C4766F335}"/>
               </a:ext>
             </a:extLst>
           </p:cNvPr>
@@ -2427,7 +2427,7 @@
           <a:bodyPr/>
           <a:lstStyle/>
           <a:p>
-            <a:fld id="{003DEF98-8A5F-478F-B053-2423CFE2C199}" type="slidenum">
+            <a:fld id="{E9DA3423-764A-4D07-8896-D6E22D5A04E1}" type="slidenum">
               <a:rPr lang="zh-CN" altLang="en-US" smtClean="0"/>
               <a:t>‹#›</a:t>
             </a:fld>
@@ -2438,7 +2438,7 @@
     </p:spTree>
     <p:extLst>
       <p:ext uri="{BB962C8B-B14F-4D97-AF65-F5344CB8AC3E}">
-        <p14:creationId xmlns:p14="http://schemas.microsoft.com/office/powerpoint/2010/main" val="3645094795"/>
+        <p14:creationId xmlns:p14="http://schemas.microsoft.com/office/powerpoint/2010/main" val="1113075917"/>
       </p:ext>
     </p:extLst>
   </p:cSld>
@@ -2470,7 +2470,7 @@
           <p:cNvPr id="2" name="标题 1">
             <a:extLst>
               <a:ext uri="{FF2B5EF4-FFF2-40B4-BE49-F238E27FC236}">
-                <a16:creationId xmlns:a16="http://schemas.microsoft.com/office/drawing/2014/main" id="{CD83F2FA-B7F2-7959-E9D2-2AE9D282FB71}"/>
+                <a16:creationId xmlns:a16="http://schemas.microsoft.com/office/drawing/2014/main" id="{A4C4798C-F30B-2F3C-F186-3EF02DE80B18}"/>
               </a:ext>
             </a:extLst>
           </p:cNvPr>
@@ -2507,7 +2507,7 @@
           <p:cNvPr id="3" name="图片占位符 2">
             <a:extLst>
               <a:ext uri="{FF2B5EF4-FFF2-40B4-BE49-F238E27FC236}">
-                <a16:creationId xmlns:a16="http://schemas.microsoft.com/office/drawing/2014/main" id="{25B85C0E-F6F6-6101-277C-E7E00BB18150}"/>
+                <a16:creationId xmlns:a16="http://schemas.microsoft.com/office/drawing/2014/main" id="{27B377F2-84A2-0C84-EC01-871A25D798C9}"/>
               </a:ext>
             </a:extLst>
           </p:cNvPr>
@@ -2574,7 +2574,7 @@
           <p:cNvPr id="4" name="文本占位符 3">
             <a:extLst>
               <a:ext uri="{FF2B5EF4-FFF2-40B4-BE49-F238E27FC236}">
-                <a16:creationId xmlns:a16="http://schemas.microsoft.com/office/drawing/2014/main" id="{47982B82-AA03-553B-ECAE-27E1CA73EC25}"/>
+                <a16:creationId xmlns:a16="http://schemas.microsoft.com/office/drawing/2014/main" id="{C4F77199-390E-3FA7-8F99-9DF3EB88CC50}"/>
               </a:ext>
             </a:extLst>
           </p:cNvPr>
@@ -2645,7 +2645,7 @@
           <p:cNvPr id="5" name="日期占位符 4">
             <a:extLst>
               <a:ext uri="{FF2B5EF4-FFF2-40B4-BE49-F238E27FC236}">
-                <a16:creationId xmlns:a16="http://schemas.microsoft.com/office/drawing/2014/main" id="{5E4A7E9E-EA32-83ED-255F-46A898B79FBD}"/>
+                <a16:creationId xmlns:a16="http://schemas.microsoft.com/office/drawing/2014/main" id="{C1D06742-6EB6-D211-9835-27953788D7B0}"/>
               </a:ext>
             </a:extLst>
           </p:cNvPr>
@@ -2661,7 +2661,7 @@
           <a:bodyPr/>
           <a:lstStyle/>
           <a:p>
-            <a:fld id="{67D5BEA9-3F37-4BFA-BA7B-1FC8CAA2C7D5}" type="datetimeFigureOut">
+            <a:fld id="{8A9A0A6E-C6F0-411A-A1C8-6E1C308359E0}" type="datetimeFigureOut">
               <a:rPr lang="zh-CN" altLang="en-US" smtClean="0"/>
               <a:t>2024/3/10</a:t>
             </a:fld>
@@ -2674,7 +2674,7 @@
           <p:cNvPr id="6" name="页脚占位符 5">
             <a:extLst>
               <a:ext uri="{FF2B5EF4-FFF2-40B4-BE49-F238E27FC236}">
-                <a16:creationId xmlns:a16="http://schemas.microsoft.com/office/drawing/2014/main" id="{50B33DA7-70D7-7381-D7D3-282365266228}"/>
+                <a16:creationId xmlns:a16="http://schemas.microsoft.com/office/drawing/2014/main" id="{E7F807AC-57C0-DB9A-BB12-6ED76F238C10}"/>
               </a:ext>
             </a:extLst>
           </p:cNvPr>
@@ -2699,7 +2699,7 @@
           <p:cNvPr id="7" name="灯片编号占位符 6">
             <a:extLst>
               <a:ext uri="{FF2B5EF4-FFF2-40B4-BE49-F238E27FC236}">
-                <a16:creationId xmlns:a16="http://schemas.microsoft.com/office/drawing/2014/main" id="{E1E78B14-3A32-8C2E-0A2B-0F52ED5530DB}"/>
+                <a16:creationId xmlns:a16="http://schemas.microsoft.com/office/drawing/2014/main" id="{CC664B87-2CAE-9EBD-218B-CE820DC931E0}"/>
               </a:ext>
             </a:extLst>
           </p:cNvPr>
@@ -2715,7 +2715,7 @@
           <a:bodyPr/>
           <a:lstStyle/>
           <a:p>
-            <a:fld id="{003DEF98-8A5F-478F-B053-2423CFE2C199}" type="slidenum">
+            <a:fld id="{E9DA3423-764A-4D07-8896-D6E22D5A04E1}" type="slidenum">
               <a:rPr lang="zh-CN" altLang="en-US" smtClean="0"/>
               <a:t>‹#›</a:t>
             </a:fld>
@@ -2726,7 +2726,7 @@
     </p:spTree>
     <p:extLst>
       <p:ext uri="{BB962C8B-B14F-4D97-AF65-F5344CB8AC3E}">
-        <p14:creationId xmlns:p14="http://schemas.microsoft.com/office/powerpoint/2010/main" val="1042207813"/>
+        <p14:creationId xmlns:p14="http://schemas.microsoft.com/office/powerpoint/2010/main" val="1348381151"/>
       </p:ext>
     </p:extLst>
   </p:cSld>
@@ -2763,7 +2763,7 @@
           <p:cNvPr id="2" name="标题占位符 1">
             <a:extLst>
               <a:ext uri="{FF2B5EF4-FFF2-40B4-BE49-F238E27FC236}">
-                <a16:creationId xmlns:a16="http://schemas.microsoft.com/office/drawing/2014/main" id="{5A813A0B-157F-FBB2-7BE8-7259B711C6C1}"/>
+                <a16:creationId xmlns:a16="http://schemas.microsoft.com/office/drawing/2014/main" id="{009D8C5C-BB40-7242-3E54-80C0B967B0E5}"/>
               </a:ext>
             </a:extLst>
           </p:cNvPr>
@@ -2801,7 +2801,7 @@
           <p:cNvPr id="3" name="文本占位符 2">
             <a:extLst>
               <a:ext uri="{FF2B5EF4-FFF2-40B4-BE49-F238E27FC236}">
-                <a16:creationId xmlns:a16="http://schemas.microsoft.com/office/drawing/2014/main" id="{44194E71-1441-FA31-8CDD-B828D421850C}"/>
+                <a16:creationId xmlns:a16="http://schemas.microsoft.com/office/drawing/2014/main" id="{FC9613E1-4325-69EA-4AD4-7C6B08787BBD}"/>
               </a:ext>
             </a:extLst>
           </p:cNvPr>
@@ -2868,7 +2868,7 @@
           <p:cNvPr id="4" name="日期占位符 3">
             <a:extLst>
               <a:ext uri="{FF2B5EF4-FFF2-40B4-BE49-F238E27FC236}">
-                <a16:creationId xmlns:a16="http://schemas.microsoft.com/office/drawing/2014/main" id="{17F7AB8B-2C7C-8AF1-CDC1-DFBE42150E0F}"/>
+                <a16:creationId xmlns:a16="http://schemas.microsoft.com/office/drawing/2014/main" id="{4CE6D340-19F9-4012-C69D-237D41DA89B6}"/>
               </a:ext>
             </a:extLst>
           </p:cNvPr>
@@ -2902,7 +2902,7 @@
             </a:lvl1pPr>
           </a:lstStyle>
           <a:p>
-            <a:fld id="{67D5BEA9-3F37-4BFA-BA7B-1FC8CAA2C7D5}" type="datetimeFigureOut">
+            <a:fld id="{8A9A0A6E-C6F0-411A-A1C8-6E1C308359E0}" type="datetimeFigureOut">
               <a:rPr lang="zh-CN" altLang="en-US" smtClean="0"/>
               <a:t>2024/3/10</a:t>
             </a:fld>
@@ -2915,7 +2915,7 @@
           <p:cNvPr id="5" name="页脚占位符 4">
             <a:extLst>
               <a:ext uri="{FF2B5EF4-FFF2-40B4-BE49-F238E27FC236}">
-                <a16:creationId xmlns:a16="http://schemas.microsoft.com/office/drawing/2014/main" id="{A6C3DCB4-01E1-7442-3DA6-E585AF33AF97}"/>
+                <a16:creationId xmlns:a16="http://schemas.microsoft.com/office/drawing/2014/main" id="{8E76AE44-A037-A592-FC86-0EBABEFB0EEB}"/>
               </a:ext>
             </a:extLst>
           </p:cNvPr>
@@ -2958,7 +2958,7 @@
           <p:cNvPr id="6" name="灯片编号占位符 5">
             <a:extLst>
               <a:ext uri="{FF2B5EF4-FFF2-40B4-BE49-F238E27FC236}">
-                <a16:creationId xmlns:a16="http://schemas.microsoft.com/office/drawing/2014/main" id="{7A845487-77F8-9266-D850-3286DF6AC9B2}"/>
+                <a16:creationId xmlns:a16="http://schemas.microsoft.com/office/drawing/2014/main" id="{1D036DB9-2EAE-4497-EDA2-75057C80BA16}"/>
               </a:ext>
             </a:extLst>
           </p:cNvPr>
@@ -2992,7 +2992,7 @@
             </a:lvl1pPr>
           </a:lstStyle>
           <a:p>
-            <a:fld id="{003DEF98-8A5F-478F-B053-2423CFE2C199}" type="slidenum">
+            <a:fld id="{E9DA3423-764A-4D07-8896-D6E22D5A04E1}" type="slidenum">
               <a:rPr lang="zh-CN" altLang="en-US" smtClean="0"/>
               <a:t>‹#›</a:t>
             </a:fld>
@@ -3003,7 +3003,7 @@
     </p:spTree>
     <p:extLst>
       <p:ext uri="{BB962C8B-B14F-4D97-AF65-F5344CB8AC3E}">
-        <p14:creationId xmlns:p14="http://schemas.microsoft.com/office/powerpoint/2010/main" val="2549797979"/>
+        <p14:creationId xmlns:p14="http://schemas.microsoft.com/office/powerpoint/2010/main" val="2750276292"/>
       </p:ext>
     </p:extLst>
   </p:cSld>
@@ -3323,7 +3323,7 @@
       </p:grpSpPr>
       <p:pic>
         <p:nvPicPr>
-          <p:cNvPr id="1477634" name="Picture 2" descr="1442"/>
+          <p:cNvPr id="1478658" name="Picture 2" descr="1443"/>
           <p:cNvPicPr>
             <a:picLocks noChangeAspect="1" noChangeArrowheads="1"/>
           </p:cNvPicPr>
@@ -3345,7 +3345,7 @@
         <p:spPr bwMode="auto">
           <a:xfrm>
             <a:off x="1524000" y="0"/>
-            <a:ext cx="9144000" cy="6859588"/>
+            <a:ext cx="9144000" cy="6858000"/>
           </a:xfrm>
           <a:prstGeom prst="rect">
             <a:avLst/>
@@ -3375,11 +3375,158 @@
           </a:extLst>
         </p:spPr>
       </p:pic>
+      <p:pic>
+        <p:nvPicPr>
+          <p:cNvPr id="1479683" name="Picture 3" descr="1443-2"/>
+          <p:cNvPicPr>
+            <a:picLocks noChangeAspect="1" noChangeArrowheads="1"/>
+          </p:cNvPicPr>
+          <p:nvPr/>
+        </p:nvPicPr>
+        <p:blipFill>
+          <a:blip r:embed="rId3">
+            <a:extLst>
+              <a:ext uri="{28A0092B-C50C-407E-A947-70E740481C1C}">
+                <a14:useLocalDpi xmlns:a14="http://schemas.microsoft.com/office/drawing/2010/main" val="0"/>
+              </a:ext>
+            </a:extLst>
+          </a:blip>
+          <a:srcRect/>
+          <a:stretch>
+            <a:fillRect/>
+          </a:stretch>
+        </p:blipFill>
+        <p:spPr bwMode="auto">
+          <a:xfrm>
+            <a:off x="1560513" y="0"/>
+            <a:ext cx="9144000" cy="6858000"/>
+          </a:xfrm>
+          <a:prstGeom prst="rect">
+            <a:avLst/>
+          </a:prstGeom>
+          <a:noFill/>
+          <a:ln>
+            <a:noFill/>
+          </a:ln>
+          <a:effectLst/>
+          <a:extLst>
+            <a:ext uri="{909E8E84-426E-40DD-AFC4-6F175D3DCCD1}">
+              <a14:hiddenFill xmlns:a14="http://schemas.microsoft.com/office/drawing/2010/main">
+                <a:solidFill>
+                  <a:srgbClr val="FFFFFF"/>
+                </a:solidFill>
+              </a14:hiddenFill>
+            </a:ext>
+            <a:ext uri="{91240B29-F687-4F45-9708-019B960494DF}">
+              <a14:hiddenLine xmlns:a14="http://schemas.microsoft.com/office/drawing/2010/main" w="9525">
+                <a:solidFill>
+                  <a:srgbClr val="000000"/>
+                </a:solidFill>
+                <a:miter lim="800000"/>
+                <a:headEnd/>
+                <a:tailEnd/>
+              </a14:hiddenLine>
+            </a:ext>
+            <a:ext uri="{AF507438-7753-43E0-B8FC-AC1667EBCBE1}">
+              <a14:hiddenEffects xmlns:a14="http://schemas.microsoft.com/office/drawing/2010/main">
+                <a:effectLst>
+                  <a:outerShdw dist="35921" dir="2700000" algn="ctr" rotWithShape="0">
+                    <a:srgbClr val="808080"/>
+                  </a:outerShdw>
+                </a:effectLst>
+              </a14:hiddenEffects>
+            </a:ext>
+          </a:extLst>
+        </p:spPr>
+      </p:pic>
     </p:spTree>
   </p:cSld>
   <p:clrMapOvr>
     <a:masterClrMapping/>
   </p:clrMapOvr>
+  <p:timing>
+    <p:tnLst>
+      <p:par>
+        <p:cTn id="1" dur="indefinite" restart="never" nodeType="tmRoot">
+          <p:childTnLst>
+            <p:seq concurrent="1" nextAc="seek">
+              <p:cTn id="2" dur="indefinite" nodeType="mainSeq">
+                <p:childTnLst>
+                  <p:par>
+                    <p:cTn id="3" fill="hold" nodeType="clickPar">
+                      <p:stCondLst>
+                        <p:cond delay="indefinite"/>
+                      </p:stCondLst>
+                      <p:childTnLst>
+                        <p:par>
+                          <p:cTn id="4" fill="hold" nodeType="withGroup">
+                            <p:stCondLst>
+                              <p:cond delay="0"/>
+                            </p:stCondLst>
+                            <p:childTnLst>
+                              <p:par>
+                                <p:cTn id="5" presetID="10" presetClass="entr" presetSubtype="0" fill="hold" nodeType="clickEffect">
+                                  <p:stCondLst>
+                                    <p:cond delay="0"/>
+                                  </p:stCondLst>
+                                  <p:childTnLst>
+                                    <p:set>
+                                      <p:cBhvr>
+                                        <p:cTn id="6" dur="1" fill="hold">
+                                          <p:stCondLst>
+                                            <p:cond delay="0"/>
+                                          </p:stCondLst>
+                                        </p:cTn>
+                                        <p:tgtEl>
+                                          <p:spTgt spid="1479683"/>
+                                        </p:tgtEl>
+                                        <p:attrNameLst>
+                                          <p:attrName>style.visibility</p:attrName>
+                                        </p:attrNameLst>
+                                      </p:cBhvr>
+                                      <p:to>
+                                        <p:strVal val="visible"/>
+                                      </p:to>
+                                    </p:set>
+                                    <p:animEffect transition="in" filter="fade">
+                                      <p:cBhvr>
+                                        <p:cTn id="7" dur="500"/>
+                                        <p:tgtEl>
+                                          <p:spTgt spid="1479683"/>
+                                        </p:tgtEl>
+                                      </p:cBhvr>
+                                    </p:animEffect>
+                                  </p:childTnLst>
+                                </p:cTn>
+                              </p:par>
+                            </p:childTnLst>
+                          </p:cTn>
+                        </p:par>
+                      </p:childTnLst>
+                    </p:cTn>
+                  </p:par>
+                </p:childTnLst>
+              </p:cTn>
+              <p:prevCondLst>
+                <p:cond evt="onPrev" delay="0">
+                  <p:tgtEl>
+                    <p:sldTgt/>
+                  </p:tgtEl>
+                </p:cond>
+              </p:prevCondLst>
+              <p:nextCondLst>
+                <p:cond evt="onNext" delay="0">
+                  <p:tgtEl>
+                    <p:sldTgt/>
+                  </p:tgtEl>
+                </p:cond>
+              </p:nextCondLst>
+            </p:seq>
+          </p:childTnLst>
+        </p:cTn>
+      </p:par>
+    </p:tnLst>
+  </p:timing>
 </p:sld>
 </file>
 
